--- a/Document/presentation/thao/1 begin end.pptx
+++ b/Document/presentation/thao/1 begin end.pptx
@@ -5,17 +5,18 @@
     <p:sldMasterId id="2147483660" r:id="rId1"/>
   </p:sldMasterIdLst>
   <p:notesMasterIdLst>
-    <p:notesMasterId r:id="rId10"/>
+    <p:notesMasterId r:id="rId11"/>
   </p:notesMasterIdLst>
   <p:sldIdLst>
     <p:sldId id="257" r:id="rId2"/>
-    <p:sldId id="259" r:id="rId3"/>
-    <p:sldId id="260" r:id="rId4"/>
-    <p:sldId id="263" r:id="rId5"/>
-    <p:sldId id="262" r:id="rId6"/>
-    <p:sldId id="264" r:id="rId7"/>
-    <p:sldId id="261" r:id="rId8"/>
-    <p:sldId id="258" r:id="rId9"/>
+    <p:sldId id="265" r:id="rId3"/>
+    <p:sldId id="259" r:id="rId4"/>
+    <p:sldId id="260" r:id="rId5"/>
+    <p:sldId id="263" r:id="rId6"/>
+    <p:sldId id="262" r:id="rId7"/>
+    <p:sldId id="264" r:id="rId8"/>
+    <p:sldId id="261" r:id="rId9"/>
+    <p:sldId id="258" r:id="rId10"/>
   </p:sldIdLst>
   <p:sldSz cx="9144000" cy="6858000" type="screen4x3"/>
   <p:notesSz cx="6858000" cy="9144000"/>
@@ -204,7 +205,7 @@
           <a:p>
             <a:fld id="{DFA388BC-A2FD-6345-A843-DD317D62A82C}" type="datetimeFigureOut">
               <a:rPr lang="en-US" smtClean="0"/>
-              <a:t>12/14/15</a:t>
+              <a:t>12/14/2015</a:t>
             </a:fld>
             <a:endParaRPr lang="en-US"/>
           </a:p>
@@ -924,6 +925,90 @@
 </file>
 
 <file path=ppt/notesSlides/notesSlide2.xml><?xml version="1.0" encoding="utf-8"?>
+<p:notes xmlns:a="http://schemas.openxmlformats.org/drawingml/2006/main" xmlns:r="http://schemas.openxmlformats.org/officeDocument/2006/relationships" xmlns:p="http://schemas.openxmlformats.org/presentationml/2006/main">
+  <p:cSld>
+    <p:spTree>
+      <p:nvGrpSpPr>
+        <p:cNvPr id="1" name=""/>
+        <p:cNvGrpSpPr/>
+        <p:nvPr/>
+      </p:nvGrpSpPr>
+      <p:grpSpPr>
+        <a:xfrm>
+          <a:off x="0" y="0"/>
+          <a:ext cx="0" cy="0"/>
+          <a:chOff x="0" y="0"/>
+          <a:chExt cx="0" cy="0"/>
+        </a:xfrm>
+      </p:grpSpPr>
+      <p:sp>
+        <p:nvSpPr>
+          <p:cNvPr id="2" name="Slide Image Placeholder 1"/>
+          <p:cNvSpPr>
+            <a:spLocks noGrp="1" noRot="1" noChangeAspect="1"/>
+          </p:cNvSpPr>
+          <p:nvPr>
+            <p:ph type="sldImg"/>
+          </p:nvPr>
+        </p:nvSpPr>
+        <p:spPr/>
+      </p:sp>
+      <p:sp>
+        <p:nvSpPr>
+          <p:cNvPr id="3" name="Notes Placeholder 2"/>
+          <p:cNvSpPr>
+            <a:spLocks noGrp="1"/>
+          </p:cNvSpPr>
+          <p:nvPr>
+            <p:ph type="body" idx="1"/>
+          </p:nvPr>
+        </p:nvSpPr>
+        <p:spPr/>
+        <p:txBody>
+          <a:bodyPr/>
+          <a:lstStyle/>
+          <a:p>
+            <a:endParaRPr lang="en-US" dirty="0"/>
+          </a:p>
+        </p:txBody>
+      </p:sp>
+      <p:sp>
+        <p:nvSpPr>
+          <p:cNvPr id="4" name="Slide Number Placeholder 3"/>
+          <p:cNvSpPr>
+            <a:spLocks noGrp="1"/>
+          </p:cNvSpPr>
+          <p:nvPr>
+            <p:ph type="sldNum" sz="quarter" idx="10"/>
+          </p:nvPr>
+        </p:nvSpPr>
+        <p:spPr/>
+        <p:txBody>
+          <a:bodyPr/>
+          <a:lstStyle/>
+          <a:p>
+            <a:fld id="{2599C3E7-3278-1243-886F-92FF82204DB1}" type="slidenum">
+              <a:rPr lang="en-US" smtClean="0"/>
+              <a:t>2</a:t>
+            </a:fld>
+            <a:endParaRPr lang="en-US"/>
+          </a:p>
+        </p:txBody>
+      </p:sp>
+    </p:spTree>
+    <p:extLst>
+      <p:ext uri="{BB962C8B-B14F-4D97-AF65-F5344CB8AC3E}">
+        <p14:creationId xmlns:p14="http://schemas.microsoft.com/office/powerpoint/2010/main" val="434315519"/>
+      </p:ext>
+    </p:extLst>
+  </p:cSld>
+  <p:clrMapOvr>
+    <a:masterClrMapping/>
+  </p:clrMapOvr>
+</p:notes>
+</file>
+
+<file path=ppt/notesSlides/notesSlide3.xml><?xml version="1.0" encoding="utf-8"?>
 <p:notes xmlns:a="http://schemas.openxmlformats.org/drawingml/2006/main" xmlns:r="http://schemas.openxmlformats.org/officeDocument/2006/relationships" xmlns:p="http://schemas.openxmlformats.org/presentationml/2006/main" showMasterSp="0" showMasterPhAnim="0">
   <p:cSld>
     <p:spTree>
@@ -1067,90 +1152,6 @@
 </p:notes>
 </file>
 
-<file path=ppt/notesSlides/notesSlide3.xml><?xml version="1.0" encoding="utf-8"?>
-<p:notes xmlns:a="http://schemas.openxmlformats.org/drawingml/2006/main" xmlns:r="http://schemas.openxmlformats.org/officeDocument/2006/relationships" xmlns:p="http://schemas.openxmlformats.org/presentationml/2006/main">
-  <p:cSld>
-    <p:spTree>
-      <p:nvGrpSpPr>
-        <p:cNvPr id="1" name=""/>
-        <p:cNvGrpSpPr/>
-        <p:nvPr/>
-      </p:nvGrpSpPr>
-      <p:grpSpPr>
-        <a:xfrm>
-          <a:off x="0" y="0"/>
-          <a:ext cx="0" cy="0"/>
-          <a:chOff x="0" y="0"/>
-          <a:chExt cx="0" cy="0"/>
-        </a:xfrm>
-      </p:grpSpPr>
-      <p:sp>
-        <p:nvSpPr>
-          <p:cNvPr id="2" name="Slide Image Placeholder 1"/>
-          <p:cNvSpPr>
-            <a:spLocks noGrp="1" noRot="1" noChangeAspect="1"/>
-          </p:cNvSpPr>
-          <p:nvPr>
-            <p:ph type="sldImg"/>
-          </p:nvPr>
-        </p:nvSpPr>
-        <p:spPr/>
-      </p:sp>
-      <p:sp>
-        <p:nvSpPr>
-          <p:cNvPr id="3" name="Notes Placeholder 2"/>
-          <p:cNvSpPr>
-            <a:spLocks noGrp="1"/>
-          </p:cNvSpPr>
-          <p:nvPr>
-            <p:ph type="body" idx="1"/>
-          </p:nvPr>
-        </p:nvSpPr>
-        <p:spPr/>
-        <p:txBody>
-          <a:bodyPr/>
-          <a:lstStyle/>
-          <a:p>
-            <a:endParaRPr lang="en-US" dirty="0"/>
-          </a:p>
-        </p:txBody>
-      </p:sp>
-      <p:sp>
-        <p:nvSpPr>
-          <p:cNvPr id="4" name="Slide Number Placeholder 3"/>
-          <p:cNvSpPr>
-            <a:spLocks noGrp="1"/>
-          </p:cNvSpPr>
-          <p:nvPr>
-            <p:ph type="sldNum" sz="quarter" idx="10"/>
-          </p:nvPr>
-        </p:nvSpPr>
-        <p:spPr/>
-        <p:txBody>
-          <a:bodyPr/>
-          <a:lstStyle/>
-          <a:p>
-            <a:fld id="{3436350E-AE83-B244-8CE8-F69D8F81994C}" type="slidenum">
-              <a:rPr lang="en-US" smtClean="0"/>
-              <a:t>3</a:t>
-            </a:fld>
-            <a:endParaRPr lang="en-US"/>
-          </a:p>
-        </p:txBody>
-      </p:sp>
-    </p:spTree>
-    <p:extLst>
-      <p:ext uri="{BB962C8B-B14F-4D97-AF65-F5344CB8AC3E}">
-        <p14:creationId xmlns:p14="http://schemas.microsoft.com/office/powerpoint/2010/main" val="2091975818"/>
-      </p:ext>
-    </p:extLst>
-  </p:cSld>
-  <p:clrMapOvr>
-    <a:masterClrMapping/>
-  </p:clrMapOvr>
-</p:notes>
-</file>
-
 <file path=ppt/notesSlides/notesSlide4.xml><?xml version="1.0" encoding="utf-8"?>
 <p:notes xmlns:a="http://schemas.openxmlformats.org/drawingml/2006/main" xmlns:r="http://schemas.openxmlformats.org/officeDocument/2006/relationships" xmlns:p="http://schemas.openxmlformats.org/presentationml/2006/main">
   <p:cSld>
@@ -1225,7 +1226,7 @@
     </p:spTree>
     <p:extLst>
       <p:ext uri="{BB962C8B-B14F-4D97-AF65-F5344CB8AC3E}">
-        <p14:creationId xmlns:p14="http://schemas.microsoft.com/office/powerpoint/2010/main" val="1527119762"/>
+        <p14:creationId xmlns:p14="http://schemas.microsoft.com/office/powerpoint/2010/main" val="2091975818"/>
       </p:ext>
     </p:extLst>
   </p:cSld>
@@ -1309,7 +1310,7 @@
     </p:spTree>
     <p:extLst>
       <p:ext uri="{BB962C8B-B14F-4D97-AF65-F5344CB8AC3E}">
-        <p14:creationId xmlns:p14="http://schemas.microsoft.com/office/powerpoint/2010/main" val="173764380"/>
+        <p14:creationId xmlns:p14="http://schemas.microsoft.com/office/powerpoint/2010/main" val="1527119762"/>
       </p:ext>
     </p:extLst>
   </p:cSld>
@@ -1393,6 +1394,90 @@
     </p:spTree>
     <p:extLst>
       <p:ext uri="{BB962C8B-B14F-4D97-AF65-F5344CB8AC3E}">
+        <p14:creationId xmlns:p14="http://schemas.microsoft.com/office/powerpoint/2010/main" val="173764380"/>
+      </p:ext>
+    </p:extLst>
+  </p:cSld>
+  <p:clrMapOvr>
+    <a:masterClrMapping/>
+  </p:clrMapOvr>
+</p:notes>
+</file>
+
+<file path=ppt/notesSlides/notesSlide7.xml><?xml version="1.0" encoding="utf-8"?>
+<p:notes xmlns:a="http://schemas.openxmlformats.org/drawingml/2006/main" xmlns:r="http://schemas.openxmlformats.org/officeDocument/2006/relationships" xmlns:p="http://schemas.openxmlformats.org/presentationml/2006/main">
+  <p:cSld>
+    <p:spTree>
+      <p:nvGrpSpPr>
+        <p:cNvPr id="1" name=""/>
+        <p:cNvGrpSpPr/>
+        <p:nvPr/>
+      </p:nvGrpSpPr>
+      <p:grpSpPr>
+        <a:xfrm>
+          <a:off x="0" y="0"/>
+          <a:ext cx="0" cy="0"/>
+          <a:chOff x="0" y="0"/>
+          <a:chExt cx="0" cy="0"/>
+        </a:xfrm>
+      </p:grpSpPr>
+      <p:sp>
+        <p:nvSpPr>
+          <p:cNvPr id="2" name="Slide Image Placeholder 1"/>
+          <p:cNvSpPr>
+            <a:spLocks noGrp="1" noRot="1" noChangeAspect="1"/>
+          </p:cNvSpPr>
+          <p:nvPr>
+            <p:ph type="sldImg"/>
+          </p:nvPr>
+        </p:nvSpPr>
+        <p:spPr/>
+      </p:sp>
+      <p:sp>
+        <p:nvSpPr>
+          <p:cNvPr id="3" name="Notes Placeholder 2"/>
+          <p:cNvSpPr>
+            <a:spLocks noGrp="1"/>
+          </p:cNvSpPr>
+          <p:nvPr>
+            <p:ph type="body" idx="1"/>
+          </p:nvPr>
+        </p:nvSpPr>
+        <p:spPr/>
+        <p:txBody>
+          <a:bodyPr/>
+          <a:lstStyle/>
+          <a:p>
+            <a:endParaRPr lang="en-US" dirty="0"/>
+          </a:p>
+        </p:txBody>
+      </p:sp>
+      <p:sp>
+        <p:nvSpPr>
+          <p:cNvPr id="4" name="Slide Number Placeholder 3"/>
+          <p:cNvSpPr>
+            <a:spLocks noGrp="1"/>
+          </p:cNvSpPr>
+          <p:nvPr>
+            <p:ph type="sldNum" sz="quarter" idx="10"/>
+          </p:nvPr>
+        </p:nvSpPr>
+        <p:spPr/>
+        <p:txBody>
+          <a:bodyPr/>
+          <a:lstStyle/>
+          <a:p>
+            <a:fld id="{3436350E-AE83-B244-8CE8-F69D8F81994C}" type="slidenum">
+              <a:rPr lang="en-US" smtClean="0"/>
+              <a:t>7</a:t>
+            </a:fld>
+            <a:endParaRPr lang="en-US"/>
+          </a:p>
+        </p:txBody>
+      </p:sp>
+    </p:spTree>
+    <p:extLst>
+      <p:ext uri="{BB962C8B-B14F-4D97-AF65-F5344CB8AC3E}">
         <p14:creationId xmlns:p14="http://schemas.microsoft.com/office/powerpoint/2010/main" val="2045143479"/>
       </p:ext>
     </p:extLst>
@@ -1403,7 +1488,7 @@
 </p:notes>
 </file>
 
-<file path=ppt/notesSlides/notesSlide7.xml><?xml version="1.0" encoding="utf-8"?>
+<file path=ppt/notesSlides/notesSlide8.xml><?xml version="1.0" encoding="utf-8"?>
 <p:notes xmlns:a="http://schemas.openxmlformats.org/drawingml/2006/main" xmlns:r="http://schemas.openxmlformats.org/officeDocument/2006/relationships" xmlns:p="http://schemas.openxmlformats.org/presentationml/2006/main" showMasterSp="0" showMasterPhAnim="0">
   <p:cSld>
     <p:spTree>
@@ -1519,7 +1604,7 @@
 </p:notes>
 </file>
 
-<file path=ppt/notesSlides/notesSlide8.xml><?xml version="1.0" encoding="utf-8"?>
+<file path=ppt/notesSlides/notesSlide9.xml><?xml version="1.0" encoding="utf-8"?>
 <p:notes xmlns:a="http://schemas.openxmlformats.org/drawingml/2006/main" xmlns:r="http://schemas.openxmlformats.org/officeDocument/2006/relationships" xmlns:p="http://schemas.openxmlformats.org/presentationml/2006/main" showMasterSp="0" showMasterPhAnim="0">
   <p:cSld>
     <p:spTree>
@@ -4525,6 +4610,742 @@
   <p:cSld>
     <p:spTree>
       <p:nvGrpSpPr>
+        <p:cNvPr id="1" name=""/>
+        <p:cNvGrpSpPr/>
+        <p:nvPr/>
+      </p:nvGrpSpPr>
+      <p:grpSpPr>
+        <a:xfrm>
+          <a:off x="0" y="0"/>
+          <a:ext cx="0" cy="0"/>
+          <a:chOff x="0" y="0"/>
+          <a:chExt cx="0" cy="0"/>
+        </a:xfrm>
+      </p:grpSpPr>
+      <p:sp>
+        <p:nvSpPr>
+          <p:cNvPr id="2" name="Title 1"/>
+          <p:cNvSpPr>
+            <a:spLocks noGrp="1"/>
+          </p:cNvSpPr>
+          <p:nvPr>
+            <p:ph type="title"/>
+          </p:nvPr>
+        </p:nvSpPr>
+        <p:spPr/>
+        <p:txBody>
+          <a:bodyPr>
+            <a:noAutofit/>
+          </a:bodyPr>
+          <a:lstStyle/>
+          <a:p>
+            <a:r>
+              <a:rPr lang="en-US" sz="6000" dirty="0" err="1" smtClean="0">
+                <a:solidFill>
+                  <a:schemeClr val="bg1"/>
+                </a:solidFill>
+                <a:latin typeface="Cambria" pitchFamily="18" charset="0"/>
+              </a:rPr>
+              <a:t>OutCome</a:t>
+            </a:r>
+            <a:endParaRPr lang="en-US" sz="6000" dirty="0">
+              <a:solidFill>
+                <a:schemeClr val="bg1"/>
+              </a:solidFill>
+              <a:latin typeface="Cambria" pitchFamily="18" charset="0"/>
+            </a:endParaRPr>
+          </a:p>
+        </p:txBody>
+      </p:sp>
+      <p:sp>
+        <p:nvSpPr>
+          <p:cNvPr id="4" name="Slide Number Placeholder 3"/>
+          <p:cNvSpPr>
+            <a:spLocks noGrp="1"/>
+          </p:cNvSpPr>
+          <p:nvPr>
+            <p:ph type="sldNum" idx="12"/>
+          </p:nvPr>
+        </p:nvSpPr>
+        <p:spPr/>
+        <p:txBody>
+          <a:bodyPr/>
+          <a:lstStyle/>
+          <a:p>
+            <a:fld id="{00000000-1234-1234-1234-123412341234}" type="slidenum">
+              <a:rPr lang="en" smtClean="0"/>
+              <a:pPr/>
+              <a:t>2</a:t>
+            </a:fld>
+            <a:endParaRPr lang="en"/>
+          </a:p>
+        </p:txBody>
+      </p:sp>
+      <p:grpSp>
+        <p:nvGrpSpPr>
+          <p:cNvPr id="16" name="Group 15"/>
+          <p:cNvGrpSpPr/>
+          <p:nvPr/>
+        </p:nvGrpSpPr>
+        <p:grpSpPr>
+          <a:xfrm>
+            <a:off x="3651544" y="3466888"/>
+            <a:ext cx="1808508" cy="1522346"/>
+            <a:chOff x="3762294" y="3466888"/>
+            <a:chExt cx="1808508" cy="1522346"/>
+          </a:xfrm>
+        </p:grpSpPr>
+        <p:pic>
+          <p:nvPicPr>
+            <p:cNvPr id="3" name="Picture 2"/>
+            <p:cNvPicPr>
+              <a:picLocks noChangeAspect="1"/>
+            </p:cNvPicPr>
+            <p:nvPr/>
+          </p:nvPicPr>
+          <p:blipFill>
+            <a:blip r:embed="rId3" cstate="print">
+              <a:extLst>
+                <a:ext uri="{28A0092B-C50C-407E-A947-70E740481C1C}">
+                  <a14:useLocalDpi xmlns:a14="http://schemas.microsoft.com/office/drawing/2010/main" val="0"/>
+                </a:ext>
+              </a:extLst>
+            </a:blip>
+            <a:stretch>
+              <a:fillRect/>
+            </a:stretch>
+          </p:blipFill>
+          <p:spPr>
+            <a:xfrm>
+              <a:off x="3787747" y="3466888"/>
+              <a:ext cx="1306902" cy="1306902"/>
+            </a:xfrm>
+            <a:prstGeom prst="rect">
+              <a:avLst/>
+            </a:prstGeom>
+          </p:spPr>
+        </p:pic>
+        <p:sp>
+          <p:nvSpPr>
+            <p:cNvPr id="8" name="TextBox 7"/>
+            <p:cNvSpPr txBox="1"/>
+            <p:nvPr/>
+          </p:nvSpPr>
+          <p:spPr>
+            <a:xfrm>
+              <a:off x="3762294" y="4589124"/>
+              <a:ext cx="1808508" cy="400110"/>
+            </a:xfrm>
+            <a:prstGeom prst="rect">
+              <a:avLst/>
+            </a:prstGeom>
+            <a:noFill/>
+          </p:spPr>
+          <p:txBody>
+            <a:bodyPr wrap="none" rtlCol="0">
+              <a:spAutoFit/>
+            </a:bodyPr>
+            <a:lstStyle/>
+            <a:p>
+              <a:r>
+                <a:rPr lang="en-US" sz="2000" b="1" dirty="0" smtClean="0">
+                  <a:latin typeface="Cambria" panose="02040503050406030204" pitchFamily="18" charset="0"/>
+                </a:rPr>
+                <a:t>Street Router</a:t>
+              </a:r>
+              <a:endParaRPr lang="en-US" sz="2000" b="1" dirty="0">
+                <a:latin typeface="Cambria" panose="02040503050406030204" pitchFamily="18" charset="0"/>
+              </a:endParaRPr>
+            </a:p>
+          </p:txBody>
+        </p:sp>
+      </p:grpSp>
+      <p:grpSp>
+        <p:nvGrpSpPr>
+          <p:cNvPr id="5" name="Group 4"/>
+          <p:cNvGrpSpPr/>
+          <p:nvPr/>
+        </p:nvGrpSpPr>
+        <p:grpSpPr>
+          <a:xfrm>
+            <a:off x="982207" y="1642667"/>
+            <a:ext cx="1458733" cy="1535149"/>
+            <a:chOff x="982207" y="1642667"/>
+            <a:chExt cx="1458733" cy="1535149"/>
+          </a:xfrm>
+        </p:grpSpPr>
+        <p:pic>
+          <p:nvPicPr>
+            <p:cNvPr id="10" name="Picture 2" descr="C:\Users\ngoan\Desktop\image\bus.png"/>
+            <p:cNvPicPr>
+              <a:picLocks noChangeAspect="1" noChangeArrowheads="1"/>
+            </p:cNvPicPr>
+            <p:nvPr/>
+          </p:nvPicPr>
+          <p:blipFill>
+            <a:blip r:embed="rId4">
+              <a:extLst>
+                <a:ext uri="{28A0092B-C50C-407E-A947-70E740481C1C}">
+                  <a14:useLocalDpi xmlns:a14="http://schemas.microsoft.com/office/drawing/2010/main" val="0"/>
+                </a:ext>
+              </a:extLst>
+            </a:blip>
+            <a:srcRect/>
+            <a:stretch>
+              <a:fillRect/>
+            </a:stretch>
+          </p:blipFill>
+          <p:spPr bwMode="auto">
+            <a:xfrm>
+              <a:off x="1046342" y="1642667"/>
+              <a:ext cx="1135039" cy="1135039"/>
+            </a:xfrm>
+            <a:prstGeom prst="rect">
+              <a:avLst/>
+            </a:prstGeom>
+            <a:noFill/>
+            <a:extLst>
+              <a:ext uri="{909E8E84-426E-40DD-AFC4-6F175D3DCCD1}">
+                <a14:hiddenFill xmlns:a14="http://schemas.microsoft.com/office/drawing/2010/main">
+                  <a:solidFill>
+                    <a:srgbClr val="FFFFFF"/>
+                  </a:solidFill>
+                </a14:hiddenFill>
+              </a:ext>
+            </a:extLst>
+          </p:spPr>
+        </p:pic>
+        <p:sp>
+          <p:nvSpPr>
+            <p:cNvPr id="11" name="TextBox 10"/>
+            <p:cNvSpPr txBox="1"/>
+            <p:nvPr/>
+          </p:nvSpPr>
+          <p:spPr>
+            <a:xfrm>
+              <a:off x="982207" y="2777706"/>
+              <a:ext cx="1458733" cy="400110"/>
+            </a:xfrm>
+            <a:prstGeom prst="rect">
+              <a:avLst/>
+            </a:prstGeom>
+            <a:noFill/>
+          </p:spPr>
+          <p:txBody>
+            <a:bodyPr wrap="none" rtlCol="0">
+              <a:spAutoFit/>
+            </a:bodyPr>
+            <a:lstStyle/>
+            <a:p>
+              <a:r>
+                <a:rPr lang="en-US" sz="2000" b="1" dirty="0" smtClean="0">
+                  <a:latin typeface="Cambria" panose="02040503050406030204" pitchFamily="18" charset="0"/>
+                </a:rPr>
+                <a:t>Search bus</a:t>
+              </a:r>
+              <a:endParaRPr lang="en-US" sz="2000" b="1" dirty="0">
+                <a:latin typeface="Cambria" panose="02040503050406030204" pitchFamily="18" charset="0"/>
+              </a:endParaRPr>
+            </a:p>
+          </p:txBody>
+        </p:sp>
+      </p:grpSp>
+      <p:grpSp>
+        <p:nvGrpSpPr>
+          <p:cNvPr id="6" name="Group 5"/>
+          <p:cNvGrpSpPr/>
+          <p:nvPr/>
+        </p:nvGrpSpPr>
+        <p:grpSpPr>
+          <a:xfrm>
+            <a:off x="3697069" y="1642667"/>
+            <a:ext cx="1762983" cy="1517713"/>
+            <a:chOff x="3697069" y="1642667"/>
+            <a:chExt cx="1762983" cy="1517713"/>
+          </a:xfrm>
+        </p:grpSpPr>
+        <p:pic>
+          <p:nvPicPr>
+            <p:cNvPr id="9" name="Picture 2" descr="C:\Users\ngoan\Desktop\image\24598-200.png"/>
+            <p:cNvPicPr>
+              <a:picLocks noChangeAspect="1" noChangeArrowheads="1"/>
+            </p:cNvPicPr>
+            <p:nvPr/>
+          </p:nvPicPr>
+          <p:blipFill>
+            <a:blip r:embed="rId5">
+              <a:extLst>
+                <a:ext uri="{28A0092B-C50C-407E-A947-70E740481C1C}">
+                  <a14:useLocalDpi xmlns:a14="http://schemas.microsoft.com/office/drawing/2010/main" val="0"/>
+                </a:ext>
+              </a:extLst>
+            </a:blip>
+            <a:srcRect/>
+            <a:stretch>
+              <a:fillRect/>
+            </a:stretch>
+          </p:blipFill>
+          <p:spPr bwMode="auto">
+            <a:xfrm>
+              <a:off x="3853851" y="1642667"/>
+              <a:ext cx="1135039" cy="1135039"/>
+            </a:xfrm>
+            <a:prstGeom prst="rect">
+              <a:avLst/>
+            </a:prstGeom>
+            <a:noFill/>
+            <a:extLst>
+              <a:ext uri="{909E8E84-426E-40DD-AFC4-6F175D3DCCD1}">
+                <a14:hiddenFill xmlns:a14="http://schemas.microsoft.com/office/drawing/2010/main">
+                  <a:solidFill>
+                    <a:srgbClr val="FFFFFF"/>
+                  </a:solidFill>
+                </a14:hiddenFill>
+              </a:ext>
+            </a:extLst>
+          </p:spPr>
+        </p:pic>
+        <p:sp>
+          <p:nvSpPr>
+            <p:cNvPr id="12" name="TextBox 11"/>
+            <p:cNvSpPr txBox="1"/>
+            <p:nvPr/>
+          </p:nvSpPr>
+          <p:spPr>
+            <a:xfrm>
+              <a:off x="3697069" y="2760270"/>
+              <a:ext cx="1762983" cy="400110"/>
+            </a:xfrm>
+            <a:prstGeom prst="rect">
+              <a:avLst/>
+            </a:prstGeom>
+            <a:noFill/>
+          </p:spPr>
+          <p:txBody>
+            <a:bodyPr wrap="none" rtlCol="0">
+              <a:spAutoFit/>
+            </a:bodyPr>
+            <a:lstStyle/>
+            <a:p>
+              <a:r>
+                <a:rPr lang="en-US" sz="2000" b="1" dirty="0" smtClean="0">
+                  <a:latin typeface="Cambria" panose="02040503050406030204" pitchFamily="18" charset="0"/>
+                </a:rPr>
+                <a:t>Search motor</a:t>
+              </a:r>
+              <a:endParaRPr lang="en-US" sz="2000" b="1" dirty="0">
+                <a:latin typeface="Cambria" panose="02040503050406030204" pitchFamily="18" charset="0"/>
+              </a:endParaRPr>
+            </a:p>
+          </p:txBody>
+        </p:sp>
+      </p:grpSp>
+      <p:grpSp>
+        <p:nvGrpSpPr>
+          <p:cNvPr id="26" name="Group 25"/>
+          <p:cNvGrpSpPr/>
+          <p:nvPr/>
+        </p:nvGrpSpPr>
+        <p:grpSpPr>
+          <a:xfrm>
+            <a:off x="2024504" y="5313385"/>
+            <a:ext cx="2019399" cy="1493720"/>
+            <a:chOff x="2024504" y="5313385"/>
+            <a:chExt cx="2019399" cy="1493720"/>
+          </a:xfrm>
+        </p:grpSpPr>
+        <p:sp>
+          <p:nvSpPr>
+            <p:cNvPr id="14" name="TextBox 13"/>
+            <p:cNvSpPr txBox="1"/>
+            <p:nvPr/>
+          </p:nvSpPr>
+          <p:spPr>
+            <a:xfrm>
+              <a:off x="2024504" y="6406995"/>
+              <a:ext cx="2019399" cy="400110"/>
+            </a:xfrm>
+            <a:prstGeom prst="rect">
+              <a:avLst/>
+            </a:prstGeom>
+            <a:noFill/>
+          </p:spPr>
+          <p:txBody>
+            <a:bodyPr wrap="none" rtlCol="0">
+              <a:spAutoFit/>
+            </a:bodyPr>
+            <a:lstStyle/>
+            <a:p>
+              <a:r>
+                <a:rPr lang="en-US" sz="2000" b="1" dirty="0">
+                  <a:latin typeface="Cambria" panose="02040503050406030204" pitchFamily="18" charset="0"/>
+                </a:rPr>
+                <a:t>Notify by sound</a:t>
+              </a:r>
+            </a:p>
+          </p:txBody>
+        </p:sp>
+        <p:pic>
+          <p:nvPicPr>
+            <p:cNvPr id="15" name="Picture 14"/>
+            <p:cNvPicPr>
+              <a:picLocks noChangeAspect="1"/>
+            </p:cNvPicPr>
+            <p:nvPr/>
+          </p:nvPicPr>
+          <p:blipFill>
+            <a:blip r:embed="rId6" cstate="print">
+              <a:extLst>
+                <a:ext uri="{28A0092B-C50C-407E-A947-70E740481C1C}">
+                  <a14:useLocalDpi xmlns:a14="http://schemas.microsoft.com/office/drawing/2010/main" val="0"/>
+                </a:ext>
+              </a:extLst>
+            </a:blip>
+            <a:stretch>
+              <a:fillRect/>
+            </a:stretch>
+          </p:blipFill>
+          <p:spPr>
+            <a:xfrm>
+              <a:off x="2339395" y="5313385"/>
+              <a:ext cx="1093610" cy="1093610"/>
+            </a:xfrm>
+            <a:prstGeom prst="rect">
+              <a:avLst/>
+            </a:prstGeom>
+          </p:spPr>
+        </p:pic>
+      </p:grpSp>
+      <p:grpSp>
+        <p:nvGrpSpPr>
+          <p:cNvPr id="7" name="Group 6"/>
+          <p:cNvGrpSpPr/>
+          <p:nvPr/>
+        </p:nvGrpSpPr>
+        <p:grpSpPr>
+          <a:xfrm>
+            <a:off x="6247665" y="1847819"/>
+            <a:ext cx="2162772" cy="1447750"/>
+            <a:chOff x="6247665" y="1847819"/>
+            <a:chExt cx="2162772" cy="1447750"/>
+          </a:xfrm>
+        </p:grpSpPr>
+        <p:pic>
+          <p:nvPicPr>
+            <p:cNvPr id="17" name="Picture 16"/>
+            <p:cNvPicPr>
+              <a:picLocks noChangeAspect="1"/>
+            </p:cNvPicPr>
+            <p:nvPr/>
+          </p:nvPicPr>
+          <p:blipFill>
+            <a:blip r:embed="rId7" cstate="print">
+              <a:extLst>
+                <a:ext uri="{28A0092B-C50C-407E-A947-70E740481C1C}">
+                  <a14:useLocalDpi xmlns:a14="http://schemas.microsoft.com/office/drawing/2010/main" val="0"/>
+                </a:ext>
+              </a:extLst>
+            </a:blip>
+            <a:stretch>
+              <a:fillRect/>
+            </a:stretch>
+          </p:blipFill>
+          <p:spPr>
+            <a:xfrm>
+              <a:off x="6661359" y="1847819"/>
+              <a:ext cx="1066401" cy="1066401"/>
+            </a:xfrm>
+            <a:prstGeom prst="rect">
+              <a:avLst/>
+            </a:prstGeom>
+          </p:spPr>
+        </p:pic>
+        <p:sp>
+          <p:nvSpPr>
+            <p:cNvPr id="20" name="TextBox 19"/>
+            <p:cNvSpPr txBox="1"/>
+            <p:nvPr/>
+          </p:nvSpPr>
+          <p:spPr>
+            <a:xfrm>
+              <a:off x="6247665" y="2895459"/>
+              <a:ext cx="2162772" cy="400110"/>
+            </a:xfrm>
+            <a:prstGeom prst="rect">
+              <a:avLst/>
+            </a:prstGeom>
+            <a:noFill/>
+          </p:spPr>
+          <p:txBody>
+            <a:bodyPr wrap="none" rtlCol="0">
+              <a:spAutoFit/>
+            </a:bodyPr>
+            <a:lstStyle/>
+            <a:p>
+              <a:r>
+                <a:rPr lang="en-US" sz="2000" b="1" dirty="0" smtClean="0">
+                  <a:latin typeface="Cambria" panose="02040503050406030204" pitchFamily="18" charset="0"/>
+                </a:rPr>
+                <a:t>Detect right way</a:t>
+              </a:r>
+              <a:endParaRPr lang="en-US" sz="2000" b="1" dirty="0">
+                <a:latin typeface="Cambria" panose="02040503050406030204" pitchFamily="18" charset="0"/>
+              </a:endParaRPr>
+            </a:p>
+          </p:txBody>
+        </p:sp>
+      </p:grpSp>
+      <p:grpSp>
+        <p:nvGrpSpPr>
+          <p:cNvPr id="13" name="Group 12"/>
+          <p:cNvGrpSpPr/>
+          <p:nvPr/>
+        </p:nvGrpSpPr>
+        <p:grpSpPr>
+          <a:xfrm>
+            <a:off x="6247665" y="3707389"/>
+            <a:ext cx="2363147" cy="1430675"/>
+            <a:chOff x="6247665" y="3707389"/>
+            <a:chExt cx="2363147" cy="1430675"/>
+          </a:xfrm>
+        </p:grpSpPr>
+        <p:pic>
+          <p:nvPicPr>
+            <p:cNvPr id="18" name="Picture 17"/>
+            <p:cNvPicPr>
+              <a:picLocks noChangeAspect="1"/>
+            </p:cNvPicPr>
+            <p:nvPr/>
+          </p:nvPicPr>
+          <p:blipFill>
+            <a:blip r:embed="rId8" cstate="print">
+              <a:extLst>
+                <a:ext uri="{28A0092B-C50C-407E-A947-70E740481C1C}">
+                  <a14:useLocalDpi xmlns:a14="http://schemas.microsoft.com/office/drawing/2010/main" val="0"/>
+                </a:ext>
+              </a:extLst>
+            </a:blip>
+            <a:stretch>
+              <a:fillRect/>
+            </a:stretch>
+          </p:blipFill>
+          <p:spPr>
+            <a:xfrm>
+              <a:off x="6661359" y="3707389"/>
+              <a:ext cx="1066401" cy="1066401"/>
+            </a:xfrm>
+            <a:prstGeom prst="rect">
+              <a:avLst/>
+            </a:prstGeom>
+          </p:spPr>
+        </p:pic>
+        <p:sp>
+          <p:nvSpPr>
+            <p:cNvPr id="21" name="TextBox 20"/>
+            <p:cNvSpPr txBox="1"/>
+            <p:nvPr/>
+          </p:nvSpPr>
+          <p:spPr>
+            <a:xfrm>
+              <a:off x="6247665" y="4737954"/>
+              <a:ext cx="2363147" cy="400110"/>
+            </a:xfrm>
+            <a:prstGeom prst="rect">
+              <a:avLst/>
+            </a:prstGeom>
+            <a:noFill/>
+          </p:spPr>
+          <p:txBody>
+            <a:bodyPr wrap="none" rtlCol="0">
+              <a:spAutoFit/>
+            </a:bodyPr>
+            <a:lstStyle/>
+            <a:p>
+              <a:r>
+                <a:rPr lang="en-US" sz="2000" b="1" dirty="0">
+                  <a:latin typeface="Cambria" panose="02040503050406030204" pitchFamily="18" charset="0"/>
+                </a:rPr>
+                <a:t>Detect wrong way</a:t>
+              </a:r>
+            </a:p>
+          </p:txBody>
+        </p:sp>
+      </p:grpSp>
+      <p:grpSp>
+        <p:nvGrpSpPr>
+          <p:cNvPr id="27" name="Group 26"/>
+          <p:cNvGrpSpPr/>
+          <p:nvPr/>
+        </p:nvGrpSpPr>
+        <p:grpSpPr>
+          <a:xfrm>
+            <a:off x="927495" y="3581865"/>
+            <a:ext cx="1535998" cy="1556199"/>
+            <a:chOff x="927495" y="3581865"/>
+            <a:chExt cx="1535998" cy="1556199"/>
+          </a:xfrm>
+        </p:grpSpPr>
+        <p:pic>
+          <p:nvPicPr>
+            <p:cNvPr id="19" name="Picture 18"/>
+            <p:cNvPicPr>
+              <a:picLocks noChangeAspect="1"/>
+            </p:cNvPicPr>
+            <p:nvPr/>
+          </p:nvPicPr>
+          <p:blipFill>
+            <a:blip r:embed="rId9" cstate="print">
+              <a:extLst>
+                <a:ext uri="{28A0092B-C50C-407E-A947-70E740481C1C}">
+                  <a14:useLocalDpi xmlns:a14="http://schemas.microsoft.com/office/drawing/2010/main" val="0"/>
+                </a:ext>
+              </a:extLst>
+            </a:blip>
+            <a:stretch>
+              <a:fillRect/>
+            </a:stretch>
+          </p:blipFill>
+          <p:spPr>
+            <a:xfrm>
+              <a:off x="982207" y="3581865"/>
+              <a:ext cx="1156089" cy="1156089"/>
+            </a:xfrm>
+            <a:prstGeom prst="rect">
+              <a:avLst/>
+            </a:prstGeom>
+          </p:spPr>
+        </p:pic>
+        <p:sp>
+          <p:nvSpPr>
+            <p:cNvPr id="23" name="TextBox 22"/>
+            <p:cNvSpPr txBox="1"/>
+            <p:nvPr/>
+          </p:nvSpPr>
+          <p:spPr>
+            <a:xfrm>
+              <a:off x="927495" y="4737954"/>
+              <a:ext cx="1535998" cy="400110"/>
+            </a:xfrm>
+            <a:prstGeom prst="rect">
+              <a:avLst/>
+            </a:prstGeom>
+            <a:noFill/>
+          </p:spPr>
+          <p:txBody>
+            <a:bodyPr wrap="none" rtlCol="0">
+              <a:spAutoFit/>
+            </a:bodyPr>
+            <a:lstStyle/>
+            <a:p>
+              <a:r>
+                <a:rPr lang="en-US" sz="2000" b="1" dirty="0" smtClean="0">
+                  <a:latin typeface="Cambria" panose="02040503050406030204" pitchFamily="18" charset="0"/>
+                </a:rPr>
+                <a:t>Map offline</a:t>
+              </a:r>
+              <a:endParaRPr lang="en-US" b="1" dirty="0">
+                <a:latin typeface="Cambria" panose="02040503050406030204" pitchFamily="18" charset="0"/>
+              </a:endParaRPr>
+            </a:p>
+          </p:txBody>
+        </p:sp>
+      </p:grpSp>
+      <p:grpSp>
+        <p:nvGrpSpPr>
+          <p:cNvPr id="25" name="Group 24"/>
+          <p:cNvGrpSpPr/>
+          <p:nvPr/>
+        </p:nvGrpSpPr>
+        <p:grpSpPr>
+          <a:xfrm>
+            <a:off x="4770877" y="5313385"/>
+            <a:ext cx="2590774" cy="1493720"/>
+            <a:chOff x="4770877" y="5313385"/>
+            <a:chExt cx="2590774" cy="1493720"/>
+          </a:xfrm>
+        </p:grpSpPr>
+        <p:pic>
+          <p:nvPicPr>
+            <p:cNvPr id="22" name="Picture 21"/>
+            <p:cNvPicPr>
+              <a:picLocks noChangeAspect="1"/>
+            </p:cNvPicPr>
+            <p:nvPr/>
+          </p:nvPicPr>
+          <p:blipFill>
+            <a:blip r:embed="rId10" cstate="print">
+              <a:extLst>
+                <a:ext uri="{28A0092B-C50C-407E-A947-70E740481C1C}">
+                  <a14:useLocalDpi xmlns:a14="http://schemas.microsoft.com/office/drawing/2010/main" val="0"/>
+                </a:ext>
+              </a:extLst>
+            </a:blip>
+            <a:stretch>
+              <a:fillRect/>
+            </a:stretch>
+          </p:blipFill>
+          <p:spPr>
+            <a:xfrm>
+              <a:off x="5284987" y="5313385"/>
+              <a:ext cx="1093610" cy="1093610"/>
+            </a:xfrm>
+            <a:prstGeom prst="rect">
+              <a:avLst/>
+            </a:prstGeom>
+          </p:spPr>
+        </p:pic>
+        <p:sp>
+          <p:nvSpPr>
+            <p:cNvPr id="24" name="Rectangle 23"/>
+            <p:cNvSpPr/>
+            <p:nvPr/>
+          </p:nvSpPr>
+          <p:spPr>
+            <a:xfrm>
+              <a:off x="4770877" y="6406995"/>
+              <a:ext cx="2590774" cy="400110"/>
+            </a:xfrm>
+            <a:prstGeom prst="rect">
+              <a:avLst/>
+            </a:prstGeom>
+          </p:spPr>
+          <p:txBody>
+            <a:bodyPr wrap="none">
+              <a:spAutoFit/>
+            </a:bodyPr>
+            <a:lstStyle/>
+            <a:p>
+              <a:r>
+                <a:rPr lang="en-US" sz="2000" b="1" dirty="0" smtClean="0">
+                  <a:latin typeface="Cambria" panose="02040503050406030204" pitchFamily="18" charset="0"/>
+                </a:rPr>
+                <a:t>Support smart wear</a:t>
+              </a:r>
+              <a:endParaRPr lang="en-US" sz="2000" b="1" dirty="0">
+                <a:latin typeface="Cambria" panose="02040503050406030204" pitchFamily="18" charset="0"/>
+              </a:endParaRPr>
+            </a:p>
+          </p:txBody>
+        </p:sp>
+      </p:grpSp>
+    </p:spTree>
+    <p:extLst>
+      <p:ext uri="{BB962C8B-B14F-4D97-AF65-F5344CB8AC3E}">
+        <p14:creationId xmlns:p14="http://schemas.microsoft.com/office/powerpoint/2010/main" val="2692580737"/>
+      </p:ext>
+    </p:extLst>
+  </p:cSld>
+  <p:clrMapOvr>
+    <a:masterClrMapping/>
+  </p:clrMapOvr>
+</p:sld>
+</file>
+
+<file path=ppt/slides/slide3.xml><?xml version="1.0" encoding="utf-8"?>
+<p:sld xmlns:a="http://schemas.openxmlformats.org/drawingml/2006/main" xmlns:r="http://schemas.openxmlformats.org/officeDocument/2006/relationships" xmlns:p="http://schemas.openxmlformats.org/presentationml/2006/main">
+  <p:cSld>
+    <p:spTree>
+      <p:nvGrpSpPr>
         <p:cNvPr id="1" name="Shape 2098"/>
         <p:cNvGrpSpPr/>
         <p:nvPr/>
@@ -4597,7 +5418,7 @@
             <a:fld id="{00000000-1234-1234-1234-123412341234}" type="slidenum">
               <a:rPr lang="en"/>
               <a:pPr/>
-              <a:t>2</a:t>
+              <a:t>3</a:t>
             </a:fld>
             <a:endParaRPr lang="en"/>
           </a:p>
@@ -4852,17 +5673,10 @@
   <p:transition spd="slow">
     <p:cut/>
   </p:transition>
-  <p:timing>
-    <p:tnLst>
-      <p:par>
-        <p:cTn id="1" dur="indefinite" restart="never" nodeType="tmRoot"/>
-      </p:par>
-    </p:tnLst>
-  </p:timing>
 </p:sld>
 </file>
 
-<file path=ppt/slides/slide3.xml><?xml version="1.0" encoding="utf-8"?>
+<file path=ppt/slides/slide4.xml><?xml version="1.0" encoding="utf-8"?>
 <p:sld xmlns:a="http://schemas.openxmlformats.org/drawingml/2006/main" xmlns:r="http://schemas.openxmlformats.org/officeDocument/2006/relationships" xmlns:p="http://schemas.openxmlformats.org/presentationml/2006/main">
   <p:cSld>
     <p:spTree>
@@ -4968,7 +5782,7 @@
             <a:fld id="{00000000-1234-1234-1234-123412341234}" type="slidenum">
               <a:rPr lang="en" smtClean="0"/>
               <a:pPr/>
-              <a:t>3</a:t>
+              <a:t>4</a:t>
             </a:fld>
             <a:endParaRPr lang="en"/>
           </a:p>
@@ -5140,378 +5954,6 @@
     <p:extLst>
       <p:ext uri="{BB962C8B-B14F-4D97-AF65-F5344CB8AC3E}">
         <p14:creationId xmlns:p14="http://schemas.microsoft.com/office/powerpoint/2010/main" val="199576162"/>
-      </p:ext>
-    </p:extLst>
-  </p:cSld>
-  <p:clrMapOvr>
-    <a:masterClrMapping/>
-  </p:clrMapOvr>
-  <p:timing>
-    <p:tnLst>
-      <p:par>
-        <p:cTn id="1" dur="indefinite" restart="never" nodeType="tmRoot"/>
-      </p:par>
-    </p:tnLst>
-  </p:timing>
-</p:sld>
-</file>
-
-<file path=ppt/slides/slide4.xml><?xml version="1.0" encoding="utf-8"?>
-<p:sld xmlns:a="http://schemas.openxmlformats.org/drawingml/2006/main" xmlns:r="http://schemas.openxmlformats.org/officeDocument/2006/relationships" xmlns:p="http://schemas.openxmlformats.org/presentationml/2006/main">
-  <p:cSld>
-    <p:spTree>
-      <p:nvGrpSpPr>
-        <p:cNvPr id="1" name=""/>
-        <p:cNvGrpSpPr/>
-        <p:nvPr/>
-      </p:nvGrpSpPr>
-      <p:grpSpPr>
-        <a:xfrm>
-          <a:off x="0" y="0"/>
-          <a:ext cx="0" cy="0"/>
-          <a:chOff x="0" y="0"/>
-          <a:chExt cx="0" cy="0"/>
-        </a:xfrm>
-      </p:grpSpPr>
-      <p:sp>
-        <p:nvSpPr>
-          <p:cNvPr id="8" name="Shape 2099"/>
-          <p:cNvSpPr txBox="1">
-            <a:spLocks noGrp="1"/>
-          </p:cNvSpPr>
-          <p:nvPr>
-            <p:ph type="title"/>
-          </p:nvPr>
-        </p:nvSpPr>
-        <p:spPr>
-          <a:xfrm>
-            <a:off x="1515658" y="463201"/>
-            <a:ext cx="6172200" cy="687979"/>
-          </a:xfrm>
-          <a:prstGeom prst="rect">
-            <a:avLst/>
-          </a:prstGeom>
-        </p:spPr>
-        <p:txBody>
-          <a:bodyPr lIns="68569" tIns="68569" rIns="68569" bIns="68569" anchor="b" anchorCtr="0">
-            <a:noAutofit/>
-          </a:bodyPr>
-          <a:lstStyle/>
-          <a:p>
-            <a:r>
-              <a:rPr lang="en" sz="4800" dirty="0"/>
-              <a:t>Future plans</a:t>
-            </a:r>
-          </a:p>
-        </p:txBody>
-      </p:sp>
-      <p:sp>
-        <p:nvSpPr>
-          <p:cNvPr id="3" name="Text Placeholder 2"/>
-          <p:cNvSpPr>
-            <a:spLocks noGrp="1"/>
-          </p:cNvSpPr>
-          <p:nvPr>
-            <p:ph type="body" idx="1"/>
-          </p:nvPr>
-        </p:nvSpPr>
-        <p:spPr>
-          <a:xfrm>
-            <a:off x="486958" y="2562484"/>
-            <a:ext cx="8229600" cy="938256"/>
-          </a:xfrm>
-        </p:spPr>
-        <p:txBody>
-          <a:bodyPr/>
-          <a:lstStyle/>
-          <a:p>
-            <a:r>
-              <a:rPr lang="vi-VN" sz="2800" dirty="0">
-                <a:latin typeface="Cambria" charset="0"/>
-                <a:ea typeface="Cambria" charset="0"/>
-                <a:cs typeface="Cambria" charset="0"/>
-              </a:rPr>
-              <a:t>Supporting blind people fully use application.</a:t>
-            </a:r>
-            <a:endParaRPr lang="en-US" sz="2800" dirty="0">
-              <a:latin typeface="Cambria" charset="0"/>
-              <a:ea typeface="Cambria" charset="0"/>
-              <a:cs typeface="Cambria" charset="0"/>
-            </a:endParaRPr>
-          </a:p>
-          <a:p>
-            <a:endParaRPr lang="en-US" dirty="0"/>
-          </a:p>
-        </p:txBody>
-      </p:sp>
-      <p:sp>
-        <p:nvSpPr>
-          <p:cNvPr id="4" name="Slide Number Placeholder 3"/>
-          <p:cNvSpPr>
-            <a:spLocks noGrp="1"/>
-          </p:cNvSpPr>
-          <p:nvPr>
-            <p:ph type="sldNum" idx="12"/>
-          </p:nvPr>
-        </p:nvSpPr>
-        <p:spPr/>
-        <p:txBody>
-          <a:bodyPr/>
-          <a:lstStyle/>
-          <a:p>
-            <a:fld id="{00000000-1234-1234-1234-123412341234}" type="slidenum">
-              <a:rPr lang="en" smtClean="0"/>
-              <a:pPr/>
-              <a:t>4</a:t>
-            </a:fld>
-            <a:endParaRPr lang="en"/>
-          </a:p>
-        </p:txBody>
-      </p:sp>
-      <p:sp>
-        <p:nvSpPr>
-          <p:cNvPr id="9" name="Shape 81"/>
-          <p:cNvSpPr/>
-          <p:nvPr/>
-        </p:nvSpPr>
-        <p:spPr>
-          <a:xfrm>
-            <a:off x="252129" y="1747686"/>
-            <a:ext cx="666900" cy="666900"/>
-          </a:xfrm>
-          <a:prstGeom prst="ellipse">
-            <a:avLst/>
-          </a:prstGeom>
-          <a:solidFill>
-            <a:schemeClr val="lt2"/>
-          </a:solidFill>
-          <a:ln w="19050" cap="flat" cmpd="sng">
-            <a:solidFill>
-              <a:schemeClr val="dk2"/>
-            </a:solidFill>
-            <a:prstDash val="solid"/>
-            <a:round/>
-            <a:headEnd type="none" w="med" len="med"/>
-            <a:tailEnd type="none" w="med" len="med"/>
-          </a:ln>
-        </p:spPr>
-        <p:txBody>
-          <a:bodyPr lIns="68569" tIns="68569" rIns="68569" bIns="68569" anchor="ctr" anchorCtr="0">
-            <a:noAutofit/>
-          </a:bodyPr>
-          <a:lstStyle/>
-          <a:p>
-            <a:pPr algn="ctr"/>
-            <a:r>
-              <a:rPr lang="en-US" sz="2250" b="1" dirty="0" smtClean="0"/>
-              <a:t>1</a:t>
-            </a:r>
-            <a:endParaRPr lang="en" sz="2250" b="1" dirty="0"/>
-          </a:p>
-        </p:txBody>
-      </p:sp>
-      <p:sp>
-        <p:nvSpPr>
-          <p:cNvPr id="10" name="Shape 81"/>
-          <p:cNvSpPr/>
-          <p:nvPr/>
-        </p:nvSpPr>
-        <p:spPr>
-          <a:xfrm>
-            <a:off x="1369729" y="1747686"/>
-            <a:ext cx="666900" cy="666900"/>
-          </a:xfrm>
-          <a:prstGeom prst="ellipse">
-            <a:avLst/>
-          </a:prstGeom>
-          <a:solidFill>
-            <a:schemeClr val="lt2"/>
-          </a:solidFill>
-          <a:ln w="19050" cap="flat" cmpd="sng">
-            <a:solidFill>
-              <a:schemeClr val="dk2"/>
-            </a:solidFill>
-            <a:prstDash val="solid"/>
-            <a:round/>
-            <a:headEnd type="none" w="med" len="med"/>
-            <a:tailEnd type="none" w="med" len="med"/>
-          </a:ln>
-        </p:spPr>
-        <p:txBody>
-          <a:bodyPr lIns="68569" tIns="68569" rIns="68569" bIns="68569" anchor="ctr" anchorCtr="0">
-            <a:noAutofit/>
-          </a:bodyPr>
-          <a:lstStyle/>
-          <a:p>
-            <a:pPr algn="ctr"/>
-            <a:r>
-              <a:rPr lang="en-US" sz="2250" b="1" dirty="0" smtClean="0"/>
-              <a:t>2</a:t>
-            </a:r>
-            <a:endParaRPr lang="en" sz="2250" b="1" dirty="0"/>
-          </a:p>
-        </p:txBody>
-      </p:sp>
-      <p:pic>
-        <p:nvPicPr>
-          <p:cNvPr id="2" name="Picture 1"/>
-          <p:cNvPicPr>
-            <a:picLocks noChangeAspect="1"/>
-          </p:cNvPicPr>
-          <p:nvPr/>
-        </p:nvPicPr>
-        <p:blipFill>
-          <a:blip r:embed="rId3">
-            <a:extLst>
-              <a:ext uri="{28A0092B-C50C-407E-A947-70E740481C1C}">
-                <a14:useLocalDpi xmlns:a14="http://schemas.microsoft.com/office/drawing/2010/main" val="0"/>
-              </a:ext>
-            </a:extLst>
-          </a:blip>
-          <a:stretch>
-            <a:fillRect/>
-          </a:stretch>
-        </p:blipFill>
-        <p:spPr>
-          <a:xfrm>
-            <a:off x="1703179" y="3587566"/>
-            <a:ext cx="2136707" cy="2947182"/>
-          </a:xfrm>
-          <a:prstGeom prst="rect">
-            <a:avLst/>
-          </a:prstGeom>
-        </p:spPr>
-      </p:pic>
-      <p:sp>
-        <p:nvSpPr>
-          <p:cNvPr id="5" name="Rectangle 4"/>
-          <p:cNvSpPr/>
-          <p:nvPr/>
-        </p:nvSpPr>
-        <p:spPr>
-          <a:xfrm>
-            <a:off x="6270354" y="3500740"/>
-            <a:ext cx="2067951" cy="3034008"/>
-          </a:xfrm>
-          <a:prstGeom prst="rect">
-            <a:avLst/>
-          </a:prstGeom>
-          <a:solidFill>
-            <a:schemeClr val="bg1"/>
-          </a:solidFill>
-          <a:ln w="38100">
-            <a:solidFill>
-              <a:srgbClr val="00B0F0"/>
-            </a:solidFill>
-          </a:ln>
-        </p:spPr>
-        <p:style>
-          <a:lnRef idx="2">
-            <a:schemeClr val="accent1">
-              <a:shade val="50000"/>
-            </a:schemeClr>
-          </a:lnRef>
-          <a:fillRef idx="1">
-            <a:schemeClr val="accent1"/>
-          </a:fillRef>
-          <a:effectRef idx="0">
-            <a:schemeClr val="accent1"/>
-          </a:effectRef>
-          <a:fontRef idx="minor">
-            <a:schemeClr val="lt1"/>
-          </a:fontRef>
-        </p:style>
-        <p:txBody>
-          <a:bodyPr rtlCol="0" anchor="ctr"/>
-          <a:lstStyle/>
-          <a:p>
-            <a:pPr algn="ctr"/>
-            <a:endParaRPr lang="en-US"/>
-          </a:p>
-        </p:txBody>
-      </p:sp>
-      <p:sp>
-        <p:nvSpPr>
-          <p:cNvPr id="13" name="Left Arrow 12"/>
-          <p:cNvSpPr/>
-          <p:nvPr/>
-        </p:nvSpPr>
-        <p:spPr>
-          <a:xfrm>
-            <a:off x="4006935" y="5719157"/>
-            <a:ext cx="2044931" cy="282633"/>
-          </a:xfrm>
-          <a:prstGeom prst="leftArrow">
-            <a:avLst/>
-          </a:prstGeom>
-          <a:solidFill>
-            <a:srgbClr val="FF0000"/>
-          </a:solidFill>
-          <a:ln>
-            <a:solidFill>
-              <a:srgbClr val="FF0000"/>
-            </a:solidFill>
-          </a:ln>
-        </p:spPr>
-        <p:style>
-          <a:lnRef idx="2">
-            <a:schemeClr val="accent1">
-              <a:shade val="50000"/>
-            </a:schemeClr>
-          </a:lnRef>
-          <a:fillRef idx="1">
-            <a:schemeClr val="accent1"/>
-          </a:fillRef>
-          <a:effectRef idx="0">
-            <a:schemeClr val="accent1"/>
-          </a:effectRef>
-          <a:fontRef idx="minor">
-            <a:schemeClr val="lt1"/>
-          </a:fontRef>
-        </p:style>
-        <p:txBody>
-          <a:bodyPr rtlCol="0" anchor="ctr"/>
-          <a:lstStyle/>
-          <a:p>
-            <a:pPr algn="ctr"/>
-            <a:endParaRPr lang="en-US"/>
-          </a:p>
-        </p:txBody>
-      </p:sp>
-      <p:sp>
-        <p:nvSpPr>
-          <p:cNvPr id="14" name="TextBox 13"/>
-          <p:cNvSpPr txBox="1"/>
-          <p:nvPr/>
-        </p:nvSpPr>
-        <p:spPr>
-          <a:xfrm>
-            <a:off x="4058374" y="5349825"/>
-            <a:ext cx="2043060" cy="400110"/>
-          </a:xfrm>
-          <a:prstGeom prst="rect">
-            <a:avLst/>
-          </a:prstGeom>
-          <a:noFill/>
-        </p:spPr>
-        <p:txBody>
-          <a:bodyPr wrap="none" rtlCol="0">
-            <a:spAutoFit/>
-          </a:bodyPr>
-          <a:lstStyle/>
-          <a:p>
-            <a:r>
-              <a:rPr lang="vi-VN" sz="2000" b="1" dirty="0" smtClean="0"/>
-              <a:t>Text To Speech</a:t>
-            </a:r>
-            <a:endParaRPr lang="en-US" sz="2000" b="1" dirty="0"/>
-          </a:p>
-        </p:txBody>
-      </p:sp>
-    </p:spTree>
-    <p:extLst>
-      <p:ext uri="{BB962C8B-B14F-4D97-AF65-F5344CB8AC3E}">
-        <p14:creationId xmlns:p14="http://schemas.microsoft.com/office/powerpoint/2010/main" val="1944542944"/>
       </p:ext>
     </p:extLst>
   </p:cSld>
@@ -5873,88 +6315,10 @@
           </a:p>
         </p:txBody>
       </p:sp>
-      <p:sp>
-        <p:nvSpPr>
-          <p:cNvPr id="6" name="Right Arrow 5"/>
-          <p:cNvSpPr/>
-          <p:nvPr/>
-        </p:nvSpPr>
-        <p:spPr>
-          <a:xfrm>
-            <a:off x="4006935" y="4156364"/>
-            <a:ext cx="2044931" cy="349134"/>
-          </a:xfrm>
-          <a:prstGeom prst="rightArrow">
-            <a:avLst/>
-          </a:prstGeom>
-          <a:solidFill>
-            <a:srgbClr val="FF0000"/>
-          </a:solidFill>
-          <a:ln>
-            <a:solidFill>
-              <a:srgbClr val="FF0000"/>
-            </a:solidFill>
-          </a:ln>
-        </p:spPr>
-        <p:style>
-          <a:lnRef idx="2">
-            <a:schemeClr val="accent1">
-              <a:shade val="50000"/>
-            </a:schemeClr>
-          </a:lnRef>
-          <a:fillRef idx="1">
-            <a:schemeClr val="accent1"/>
-          </a:fillRef>
-          <a:effectRef idx="0">
-            <a:schemeClr val="accent1"/>
-          </a:effectRef>
-          <a:fontRef idx="minor">
-            <a:schemeClr val="lt1"/>
-          </a:fontRef>
-        </p:style>
-        <p:txBody>
-          <a:bodyPr rtlCol="0" anchor="ctr"/>
-          <a:lstStyle/>
-          <a:p>
-            <a:pPr algn="ctr"/>
-            <a:endParaRPr lang="en-US"/>
-          </a:p>
-        </p:txBody>
-      </p:sp>
-      <p:sp>
-        <p:nvSpPr>
-          <p:cNvPr id="7" name="TextBox 6"/>
-          <p:cNvSpPr txBox="1"/>
-          <p:nvPr/>
-        </p:nvSpPr>
-        <p:spPr>
-          <a:xfrm>
-            <a:off x="3849041" y="3783413"/>
-            <a:ext cx="2043060" cy="400110"/>
-          </a:xfrm>
-          <a:prstGeom prst="rect">
-            <a:avLst/>
-          </a:prstGeom>
-          <a:noFill/>
-        </p:spPr>
-        <p:txBody>
-          <a:bodyPr wrap="none" rtlCol="0">
-            <a:spAutoFit/>
-          </a:bodyPr>
-          <a:lstStyle/>
-          <a:p>
-            <a:r>
-              <a:rPr lang="vi-VN" sz="2000" b="1" dirty="0" smtClean="0"/>
-              <a:t>Speech To Text</a:t>
-            </a:r>
-            <a:endParaRPr lang="en-US" sz="2000" b="1" dirty="0"/>
-          </a:p>
-        </p:txBody>
-      </p:sp>
     </p:spTree>
     <p:extLst>
       <p:ext uri="{BB962C8B-B14F-4D97-AF65-F5344CB8AC3E}">
-        <p14:creationId xmlns:p14="http://schemas.microsoft.com/office/powerpoint/2010/main" val="2118106157"/>
+        <p14:creationId xmlns:p14="http://schemas.microsoft.com/office/powerpoint/2010/main" val="1944542944"/>
       </p:ext>
     </p:extLst>
   </p:cSld>
@@ -6199,7 +6563,7 @@
         <p:spPr>
           <a:xfrm>
             <a:off x="6270354" y="3500740"/>
-            <a:ext cx="2455359" cy="3034008"/>
+            <a:ext cx="2067951" cy="3034008"/>
           </a:xfrm>
           <a:prstGeom prst="rect">
             <a:avLst/>
@@ -6233,31 +6597,8 @@
           <a:bodyPr rtlCol="0" anchor="ctr"/>
           <a:lstStyle/>
           <a:p>
-            <a:r>
-              <a:rPr lang="vi-VN" sz="2000" b="1" dirty="0" smtClean="0">
-                <a:solidFill>
-                  <a:schemeClr val="tx1"/>
-                </a:solidFill>
-              </a:rPr>
-              <a:t>1. Đường đi từ nhà tới trường</a:t>
-            </a:r>
-          </a:p>
-          <a:p>
-            <a:endParaRPr lang="vi-VN" sz="2000" b="1" dirty="0" smtClean="0">
-              <a:solidFill>
-                <a:schemeClr val="tx1"/>
-              </a:solidFill>
-            </a:endParaRPr>
-          </a:p>
-          <a:p>
-            <a:r>
-              <a:rPr lang="vi-VN" sz="2000" b="1" dirty="0" smtClean="0">
-                <a:solidFill>
-                  <a:schemeClr val="tx1"/>
-                </a:solidFill>
-              </a:rPr>
-              <a:t>2. Đường đi từ nhà tới nơi học thêm</a:t>
-            </a:r>
+            <a:pPr algn="ctr"/>
+            <a:endParaRPr lang="en-US"/>
           </a:p>
         </p:txBody>
       </p:sp>
@@ -6420,6 +6761,472 @@
     </p:spTree>
     <p:extLst>
       <p:ext uri="{BB962C8B-B14F-4D97-AF65-F5344CB8AC3E}">
+        <p14:creationId xmlns:p14="http://schemas.microsoft.com/office/powerpoint/2010/main" val="2118106157"/>
+      </p:ext>
+    </p:extLst>
+  </p:cSld>
+  <p:clrMapOvr>
+    <a:masterClrMapping/>
+  </p:clrMapOvr>
+</p:sld>
+</file>
+
+<file path=ppt/slides/slide7.xml><?xml version="1.0" encoding="utf-8"?>
+<p:sld xmlns:a="http://schemas.openxmlformats.org/drawingml/2006/main" xmlns:r="http://schemas.openxmlformats.org/officeDocument/2006/relationships" xmlns:p="http://schemas.openxmlformats.org/presentationml/2006/main">
+  <p:cSld>
+    <p:spTree>
+      <p:nvGrpSpPr>
+        <p:cNvPr id="1" name=""/>
+        <p:cNvGrpSpPr/>
+        <p:nvPr/>
+      </p:nvGrpSpPr>
+      <p:grpSpPr>
+        <a:xfrm>
+          <a:off x="0" y="0"/>
+          <a:ext cx="0" cy="0"/>
+          <a:chOff x="0" y="0"/>
+          <a:chExt cx="0" cy="0"/>
+        </a:xfrm>
+      </p:grpSpPr>
+      <p:sp>
+        <p:nvSpPr>
+          <p:cNvPr id="8" name="Shape 2099"/>
+          <p:cNvSpPr txBox="1">
+            <a:spLocks noGrp="1"/>
+          </p:cNvSpPr>
+          <p:nvPr>
+            <p:ph type="title"/>
+          </p:nvPr>
+        </p:nvSpPr>
+        <p:spPr>
+          <a:xfrm>
+            <a:off x="1515658" y="463201"/>
+            <a:ext cx="6172200" cy="687979"/>
+          </a:xfrm>
+          <a:prstGeom prst="rect">
+            <a:avLst/>
+          </a:prstGeom>
+        </p:spPr>
+        <p:txBody>
+          <a:bodyPr lIns="68569" tIns="68569" rIns="68569" bIns="68569" anchor="b" anchorCtr="0">
+            <a:noAutofit/>
+          </a:bodyPr>
+          <a:lstStyle/>
+          <a:p>
+            <a:r>
+              <a:rPr lang="en" sz="4800" dirty="0"/>
+              <a:t>Future plans</a:t>
+            </a:r>
+          </a:p>
+        </p:txBody>
+      </p:sp>
+      <p:sp>
+        <p:nvSpPr>
+          <p:cNvPr id="3" name="Text Placeholder 2"/>
+          <p:cNvSpPr>
+            <a:spLocks noGrp="1"/>
+          </p:cNvSpPr>
+          <p:nvPr>
+            <p:ph type="body" idx="1"/>
+          </p:nvPr>
+        </p:nvSpPr>
+        <p:spPr>
+          <a:xfrm>
+            <a:off x="486958" y="2562484"/>
+            <a:ext cx="8229600" cy="938256"/>
+          </a:xfrm>
+        </p:spPr>
+        <p:txBody>
+          <a:bodyPr/>
+          <a:lstStyle/>
+          <a:p>
+            <a:r>
+              <a:rPr lang="vi-VN" sz="2800" dirty="0">
+                <a:latin typeface="Cambria" charset="0"/>
+                <a:ea typeface="Cambria" charset="0"/>
+                <a:cs typeface="Cambria" charset="0"/>
+              </a:rPr>
+              <a:t>Supporting blind people fully use application.</a:t>
+            </a:r>
+            <a:endParaRPr lang="en-US" sz="2800" dirty="0">
+              <a:latin typeface="Cambria" charset="0"/>
+              <a:ea typeface="Cambria" charset="0"/>
+              <a:cs typeface="Cambria" charset="0"/>
+            </a:endParaRPr>
+          </a:p>
+          <a:p>
+            <a:endParaRPr lang="en-US" dirty="0"/>
+          </a:p>
+        </p:txBody>
+      </p:sp>
+      <p:sp>
+        <p:nvSpPr>
+          <p:cNvPr id="4" name="Slide Number Placeholder 3"/>
+          <p:cNvSpPr>
+            <a:spLocks noGrp="1"/>
+          </p:cNvSpPr>
+          <p:nvPr>
+            <p:ph type="sldNum" idx="12"/>
+          </p:nvPr>
+        </p:nvSpPr>
+        <p:spPr/>
+        <p:txBody>
+          <a:bodyPr/>
+          <a:lstStyle/>
+          <a:p>
+            <a:fld id="{00000000-1234-1234-1234-123412341234}" type="slidenum">
+              <a:rPr lang="en" smtClean="0"/>
+              <a:pPr/>
+              <a:t>7</a:t>
+            </a:fld>
+            <a:endParaRPr lang="en"/>
+          </a:p>
+        </p:txBody>
+      </p:sp>
+      <p:sp>
+        <p:nvSpPr>
+          <p:cNvPr id="9" name="Shape 81"/>
+          <p:cNvSpPr/>
+          <p:nvPr/>
+        </p:nvSpPr>
+        <p:spPr>
+          <a:xfrm>
+            <a:off x="252129" y="1747686"/>
+            <a:ext cx="666900" cy="666900"/>
+          </a:xfrm>
+          <a:prstGeom prst="ellipse">
+            <a:avLst/>
+          </a:prstGeom>
+          <a:solidFill>
+            <a:schemeClr val="lt2"/>
+          </a:solidFill>
+          <a:ln w="19050" cap="flat" cmpd="sng">
+            <a:solidFill>
+              <a:schemeClr val="dk2"/>
+            </a:solidFill>
+            <a:prstDash val="solid"/>
+            <a:round/>
+            <a:headEnd type="none" w="med" len="med"/>
+            <a:tailEnd type="none" w="med" len="med"/>
+          </a:ln>
+        </p:spPr>
+        <p:txBody>
+          <a:bodyPr lIns="68569" tIns="68569" rIns="68569" bIns="68569" anchor="ctr" anchorCtr="0">
+            <a:noAutofit/>
+          </a:bodyPr>
+          <a:lstStyle/>
+          <a:p>
+            <a:pPr algn="ctr"/>
+            <a:r>
+              <a:rPr lang="en-US" sz="2250" b="1" dirty="0" smtClean="0"/>
+              <a:t>1</a:t>
+            </a:r>
+            <a:endParaRPr lang="en" sz="2250" b="1" dirty="0"/>
+          </a:p>
+        </p:txBody>
+      </p:sp>
+      <p:sp>
+        <p:nvSpPr>
+          <p:cNvPr id="10" name="Shape 81"/>
+          <p:cNvSpPr/>
+          <p:nvPr/>
+        </p:nvSpPr>
+        <p:spPr>
+          <a:xfrm>
+            <a:off x="1369729" y="1747686"/>
+            <a:ext cx="666900" cy="666900"/>
+          </a:xfrm>
+          <a:prstGeom prst="ellipse">
+            <a:avLst/>
+          </a:prstGeom>
+          <a:solidFill>
+            <a:schemeClr val="lt2"/>
+          </a:solidFill>
+          <a:ln w="19050" cap="flat" cmpd="sng">
+            <a:solidFill>
+              <a:schemeClr val="dk2"/>
+            </a:solidFill>
+            <a:prstDash val="solid"/>
+            <a:round/>
+            <a:headEnd type="none" w="med" len="med"/>
+            <a:tailEnd type="none" w="med" len="med"/>
+          </a:ln>
+        </p:spPr>
+        <p:txBody>
+          <a:bodyPr lIns="68569" tIns="68569" rIns="68569" bIns="68569" anchor="ctr" anchorCtr="0">
+            <a:noAutofit/>
+          </a:bodyPr>
+          <a:lstStyle/>
+          <a:p>
+            <a:pPr algn="ctr"/>
+            <a:r>
+              <a:rPr lang="en-US" sz="2250" b="1" dirty="0" smtClean="0"/>
+              <a:t>2</a:t>
+            </a:r>
+            <a:endParaRPr lang="en" sz="2250" b="1" dirty="0"/>
+          </a:p>
+        </p:txBody>
+      </p:sp>
+      <p:pic>
+        <p:nvPicPr>
+          <p:cNvPr id="2" name="Picture 1"/>
+          <p:cNvPicPr>
+            <a:picLocks noChangeAspect="1"/>
+          </p:cNvPicPr>
+          <p:nvPr/>
+        </p:nvPicPr>
+        <p:blipFill>
+          <a:blip r:embed="rId3">
+            <a:extLst>
+              <a:ext uri="{28A0092B-C50C-407E-A947-70E740481C1C}">
+                <a14:useLocalDpi xmlns:a14="http://schemas.microsoft.com/office/drawing/2010/main" val="0"/>
+              </a:ext>
+            </a:extLst>
+          </a:blip>
+          <a:stretch>
+            <a:fillRect/>
+          </a:stretch>
+        </p:blipFill>
+        <p:spPr>
+          <a:xfrm>
+            <a:off x="1703179" y="3587566"/>
+            <a:ext cx="2136707" cy="2947182"/>
+          </a:xfrm>
+          <a:prstGeom prst="rect">
+            <a:avLst/>
+          </a:prstGeom>
+        </p:spPr>
+      </p:pic>
+      <p:sp>
+        <p:nvSpPr>
+          <p:cNvPr id="5" name="Rectangle 4"/>
+          <p:cNvSpPr/>
+          <p:nvPr/>
+        </p:nvSpPr>
+        <p:spPr>
+          <a:xfrm>
+            <a:off x="6270354" y="3500740"/>
+            <a:ext cx="2455359" cy="3034008"/>
+          </a:xfrm>
+          <a:prstGeom prst="rect">
+            <a:avLst/>
+          </a:prstGeom>
+          <a:solidFill>
+            <a:schemeClr val="bg1"/>
+          </a:solidFill>
+          <a:ln w="38100">
+            <a:solidFill>
+              <a:srgbClr val="00B0F0"/>
+            </a:solidFill>
+          </a:ln>
+        </p:spPr>
+        <p:style>
+          <a:lnRef idx="2">
+            <a:schemeClr val="accent1">
+              <a:shade val="50000"/>
+            </a:schemeClr>
+          </a:lnRef>
+          <a:fillRef idx="1">
+            <a:schemeClr val="accent1"/>
+          </a:fillRef>
+          <a:effectRef idx="0">
+            <a:schemeClr val="accent1"/>
+          </a:effectRef>
+          <a:fontRef idx="minor">
+            <a:schemeClr val="lt1"/>
+          </a:fontRef>
+        </p:style>
+        <p:txBody>
+          <a:bodyPr rtlCol="0" anchor="ctr"/>
+          <a:lstStyle/>
+          <a:p>
+            <a:r>
+              <a:rPr lang="vi-VN" sz="2000" b="1" dirty="0" smtClean="0">
+                <a:solidFill>
+                  <a:schemeClr val="tx1"/>
+                </a:solidFill>
+              </a:rPr>
+              <a:t>1. Đường đi từ nhà tới trường</a:t>
+            </a:r>
+          </a:p>
+          <a:p>
+            <a:endParaRPr lang="vi-VN" sz="2000" b="1" dirty="0" smtClean="0">
+              <a:solidFill>
+                <a:schemeClr val="tx1"/>
+              </a:solidFill>
+            </a:endParaRPr>
+          </a:p>
+          <a:p>
+            <a:r>
+              <a:rPr lang="vi-VN" sz="2000" b="1" dirty="0" smtClean="0">
+                <a:solidFill>
+                  <a:schemeClr val="tx1"/>
+                </a:solidFill>
+              </a:rPr>
+              <a:t>2. Đường đi từ nhà tới nơi học thêm</a:t>
+            </a:r>
+          </a:p>
+        </p:txBody>
+      </p:sp>
+      <p:sp>
+        <p:nvSpPr>
+          <p:cNvPr id="13" name="Left Arrow 12"/>
+          <p:cNvSpPr/>
+          <p:nvPr/>
+        </p:nvSpPr>
+        <p:spPr>
+          <a:xfrm>
+            <a:off x="4006935" y="5719157"/>
+            <a:ext cx="2044931" cy="282633"/>
+          </a:xfrm>
+          <a:prstGeom prst="leftArrow">
+            <a:avLst/>
+          </a:prstGeom>
+          <a:solidFill>
+            <a:srgbClr val="FF0000"/>
+          </a:solidFill>
+          <a:ln>
+            <a:solidFill>
+              <a:srgbClr val="FF0000"/>
+            </a:solidFill>
+          </a:ln>
+        </p:spPr>
+        <p:style>
+          <a:lnRef idx="2">
+            <a:schemeClr val="accent1">
+              <a:shade val="50000"/>
+            </a:schemeClr>
+          </a:lnRef>
+          <a:fillRef idx="1">
+            <a:schemeClr val="accent1"/>
+          </a:fillRef>
+          <a:effectRef idx="0">
+            <a:schemeClr val="accent1"/>
+          </a:effectRef>
+          <a:fontRef idx="minor">
+            <a:schemeClr val="lt1"/>
+          </a:fontRef>
+        </p:style>
+        <p:txBody>
+          <a:bodyPr rtlCol="0" anchor="ctr"/>
+          <a:lstStyle/>
+          <a:p>
+            <a:pPr algn="ctr"/>
+            <a:endParaRPr lang="en-US"/>
+          </a:p>
+        </p:txBody>
+      </p:sp>
+      <p:sp>
+        <p:nvSpPr>
+          <p:cNvPr id="14" name="TextBox 13"/>
+          <p:cNvSpPr txBox="1"/>
+          <p:nvPr/>
+        </p:nvSpPr>
+        <p:spPr>
+          <a:xfrm>
+            <a:off x="4058374" y="5349825"/>
+            <a:ext cx="2043060" cy="400110"/>
+          </a:xfrm>
+          <a:prstGeom prst="rect">
+            <a:avLst/>
+          </a:prstGeom>
+          <a:noFill/>
+        </p:spPr>
+        <p:txBody>
+          <a:bodyPr wrap="none" rtlCol="0">
+            <a:spAutoFit/>
+          </a:bodyPr>
+          <a:lstStyle/>
+          <a:p>
+            <a:r>
+              <a:rPr lang="vi-VN" sz="2000" b="1" dirty="0" smtClean="0"/>
+              <a:t>Text To Speech</a:t>
+            </a:r>
+            <a:endParaRPr lang="en-US" sz="2000" b="1" dirty="0"/>
+          </a:p>
+        </p:txBody>
+      </p:sp>
+      <p:sp>
+        <p:nvSpPr>
+          <p:cNvPr id="6" name="Right Arrow 5"/>
+          <p:cNvSpPr/>
+          <p:nvPr/>
+        </p:nvSpPr>
+        <p:spPr>
+          <a:xfrm>
+            <a:off x="4006935" y="4156364"/>
+            <a:ext cx="2044931" cy="349134"/>
+          </a:xfrm>
+          <a:prstGeom prst="rightArrow">
+            <a:avLst/>
+          </a:prstGeom>
+          <a:solidFill>
+            <a:srgbClr val="FF0000"/>
+          </a:solidFill>
+          <a:ln>
+            <a:solidFill>
+              <a:srgbClr val="FF0000"/>
+            </a:solidFill>
+          </a:ln>
+        </p:spPr>
+        <p:style>
+          <a:lnRef idx="2">
+            <a:schemeClr val="accent1">
+              <a:shade val="50000"/>
+            </a:schemeClr>
+          </a:lnRef>
+          <a:fillRef idx="1">
+            <a:schemeClr val="accent1"/>
+          </a:fillRef>
+          <a:effectRef idx="0">
+            <a:schemeClr val="accent1"/>
+          </a:effectRef>
+          <a:fontRef idx="minor">
+            <a:schemeClr val="lt1"/>
+          </a:fontRef>
+        </p:style>
+        <p:txBody>
+          <a:bodyPr rtlCol="0" anchor="ctr"/>
+          <a:lstStyle/>
+          <a:p>
+            <a:pPr algn="ctr"/>
+            <a:endParaRPr lang="en-US"/>
+          </a:p>
+        </p:txBody>
+      </p:sp>
+      <p:sp>
+        <p:nvSpPr>
+          <p:cNvPr id="7" name="TextBox 6"/>
+          <p:cNvSpPr txBox="1"/>
+          <p:nvPr/>
+        </p:nvSpPr>
+        <p:spPr>
+          <a:xfrm>
+            <a:off x="3849041" y="3783413"/>
+            <a:ext cx="2043060" cy="400110"/>
+          </a:xfrm>
+          <a:prstGeom prst="rect">
+            <a:avLst/>
+          </a:prstGeom>
+          <a:noFill/>
+        </p:spPr>
+        <p:txBody>
+          <a:bodyPr wrap="none" rtlCol="0">
+            <a:spAutoFit/>
+          </a:bodyPr>
+          <a:lstStyle/>
+          <a:p>
+            <a:r>
+              <a:rPr lang="vi-VN" sz="2000" b="1" dirty="0" smtClean="0"/>
+              <a:t>Speech To Text</a:t>
+            </a:r>
+            <a:endParaRPr lang="en-US" sz="2000" b="1" dirty="0"/>
+          </a:p>
+        </p:txBody>
+      </p:sp>
+    </p:spTree>
+    <p:extLst>
+      <p:ext uri="{BB962C8B-B14F-4D97-AF65-F5344CB8AC3E}">
         <p14:creationId xmlns:p14="http://schemas.microsoft.com/office/powerpoint/2010/main" val="1827277997"/>
       </p:ext>
     </p:extLst>
@@ -6430,7 +7237,7 @@
 </p:sld>
 </file>
 
-<file path=ppt/slides/slide7.xml><?xml version="1.0" encoding="utf-8"?>
+<file path=ppt/slides/slide8.xml><?xml version="1.0" encoding="utf-8"?>
 <p:sld xmlns:a="http://schemas.openxmlformats.org/drawingml/2006/main" xmlns:r="http://schemas.openxmlformats.org/officeDocument/2006/relationships" xmlns:p="http://schemas.openxmlformats.org/presentationml/2006/main">
   <p:cSld>
     <p:spTree>
@@ -6507,7 +7314,7 @@
             <a:fld id="{00000000-1234-1234-1234-123412341234}" type="slidenum">
               <a:rPr lang="en"/>
               <a:pPr/>
-              <a:t>7</a:t>
+              <a:t>8</a:t>
             </a:fld>
             <a:endParaRPr lang="en"/>
           </a:p>
@@ -6848,7 +7655,7 @@
 </p:sld>
 </file>
 
-<file path=ppt/slides/slide8.xml><?xml version="1.0" encoding="utf-8"?>
+<file path=ppt/slides/slide9.xml><?xml version="1.0" encoding="utf-8"?>
 <p:sld xmlns:a="http://schemas.openxmlformats.org/drawingml/2006/main" xmlns:r="http://schemas.openxmlformats.org/officeDocument/2006/relationships" xmlns:p="http://schemas.openxmlformats.org/presentationml/2006/main">
   <p:cSld>
     <p:spTree>
@@ -6953,7 +7760,7 @@
                 </a:solidFill>
               </a:rPr>
               <a:pPr/>
-              <a:t>8</a:t>
+              <a:t>9</a:t>
             </a:fld>
             <a:endParaRPr lang="en">
               <a:solidFill>
